--- a/lesson5/class-polymorphism.pptx
+++ b/lesson5/class-polymorphism.pptx
@@ -295,7 +295,7 @@
             <a:fld id="{530820CF-B880-4189-942D-D702A7CBA730}" type="datetimeFigureOut">
               <a:rPr lang="zh-CN" altLang="en-US" smtClean="0"/>
               <a:pPr/>
-              <a:t>2015/4/12</a:t>
+              <a:t>2015/4/13</a:t>
             </a:fld>
             <a:endParaRPr lang="zh-CN" altLang="en-US"/>
           </a:p>
@@ -462,7 +462,7 @@
             <a:fld id="{530820CF-B880-4189-942D-D702A7CBA730}" type="datetimeFigureOut">
               <a:rPr lang="zh-CN" altLang="en-US" smtClean="0"/>
               <a:pPr/>
-              <a:t>2015/4/12</a:t>
+              <a:t>2015/4/13</a:t>
             </a:fld>
             <a:endParaRPr lang="zh-CN" altLang="en-US"/>
           </a:p>
@@ -639,7 +639,7 @@
             <a:fld id="{530820CF-B880-4189-942D-D702A7CBA730}" type="datetimeFigureOut">
               <a:rPr lang="zh-CN" altLang="en-US" smtClean="0"/>
               <a:pPr/>
-              <a:t>2015/4/12</a:t>
+              <a:t>2015/4/13</a:t>
             </a:fld>
             <a:endParaRPr lang="zh-CN" altLang="en-US"/>
           </a:p>
@@ -806,7 +806,7 @@
             <a:fld id="{530820CF-B880-4189-942D-D702A7CBA730}" type="datetimeFigureOut">
               <a:rPr lang="zh-CN" altLang="en-US" smtClean="0"/>
               <a:pPr/>
-              <a:t>2015/4/12</a:t>
+              <a:t>2015/4/13</a:t>
             </a:fld>
             <a:endParaRPr lang="zh-CN" altLang="en-US"/>
           </a:p>
@@ -1049,7 +1049,7 @@
             <a:fld id="{530820CF-B880-4189-942D-D702A7CBA730}" type="datetimeFigureOut">
               <a:rPr lang="zh-CN" altLang="en-US" smtClean="0"/>
               <a:pPr/>
-              <a:t>2015/4/12</a:t>
+              <a:t>2015/4/13</a:t>
             </a:fld>
             <a:endParaRPr lang="zh-CN" altLang="en-US"/>
           </a:p>
@@ -1334,7 +1334,7 @@
             <a:fld id="{530820CF-B880-4189-942D-D702A7CBA730}" type="datetimeFigureOut">
               <a:rPr lang="zh-CN" altLang="en-US" smtClean="0"/>
               <a:pPr/>
-              <a:t>2015/4/12</a:t>
+              <a:t>2015/4/13</a:t>
             </a:fld>
             <a:endParaRPr lang="zh-CN" altLang="en-US"/>
           </a:p>
@@ -1753,7 +1753,7 @@
             <a:fld id="{530820CF-B880-4189-942D-D702A7CBA730}" type="datetimeFigureOut">
               <a:rPr lang="zh-CN" altLang="en-US" smtClean="0"/>
               <a:pPr/>
-              <a:t>2015/4/12</a:t>
+              <a:t>2015/4/13</a:t>
             </a:fld>
             <a:endParaRPr lang="zh-CN" altLang="en-US"/>
           </a:p>
@@ -1868,7 +1868,7 @@
             <a:fld id="{530820CF-B880-4189-942D-D702A7CBA730}" type="datetimeFigureOut">
               <a:rPr lang="zh-CN" altLang="en-US" smtClean="0"/>
               <a:pPr/>
-              <a:t>2015/4/12</a:t>
+              <a:t>2015/4/13</a:t>
             </a:fld>
             <a:endParaRPr lang="zh-CN" altLang="en-US"/>
           </a:p>
@@ -1960,7 +1960,7 @@
             <a:fld id="{530820CF-B880-4189-942D-D702A7CBA730}" type="datetimeFigureOut">
               <a:rPr lang="zh-CN" altLang="en-US" smtClean="0"/>
               <a:pPr/>
-              <a:t>2015/4/12</a:t>
+              <a:t>2015/4/13</a:t>
             </a:fld>
             <a:endParaRPr lang="zh-CN" altLang="en-US"/>
           </a:p>
@@ -2234,7 +2234,7 @@
             <a:fld id="{530820CF-B880-4189-942D-D702A7CBA730}" type="datetimeFigureOut">
               <a:rPr lang="zh-CN" altLang="en-US" smtClean="0"/>
               <a:pPr/>
-              <a:t>2015/4/12</a:t>
+              <a:t>2015/4/13</a:t>
             </a:fld>
             <a:endParaRPr lang="zh-CN" altLang="en-US"/>
           </a:p>
@@ -2484,7 +2484,7 @@
             <a:fld id="{530820CF-B880-4189-942D-D702A7CBA730}" type="datetimeFigureOut">
               <a:rPr lang="zh-CN" altLang="en-US" smtClean="0"/>
               <a:pPr/>
-              <a:t>2015/4/12</a:t>
+              <a:t>2015/4/13</a:t>
             </a:fld>
             <a:endParaRPr lang="zh-CN" altLang="en-US"/>
           </a:p>
@@ -2694,7 +2694,7 @@
             <a:fld id="{530820CF-B880-4189-942D-D702A7CBA730}" type="datetimeFigureOut">
               <a:rPr lang="zh-CN" altLang="en-US" smtClean="0"/>
               <a:pPr/>
-              <a:t>2015/4/12</a:t>
+              <a:t>2015/4/13</a:t>
             </a:fld>
             <a:endParaRPr lang="zh-CN" altLang="en-US"/>
           </a:p>
@@ -3112,6 +3112,13 @@
   <p:clrMapOvr>
     <a:masterClrMapping/>
   </p:clrMapOvr>
+  <p:timing>
+    <p:tnLst>
+      <p:par>
+        <p:cTn id="1" dur="indefinite" restart="never" nodeType="tmRoot"/>
+      </p:par>
+    </p:tnLst>
+  </p:timing>
 </p:sld>
 </file>
 
@@ -3179,11 +3186,7 @@
           <a:p>
             <a:r>
               <a:rPr lang="zh-CN" altLang="en-US" dirty="0" smtClean="0"/>
-              <a:t>例</a:t>
-            </a:r>
-            <a:r>
-              <a:rPr lang="zh-CN" altLang="en-US" dirty="0" smtClean="0"/>
-              <a:t>如对于</a:t>
+              <a:t>例如对于</a:t>
             </a:r>
             <a:r>
               <a:rPr lang="en-US" altLang="zh-CN" dirty="0" smtClean="0"/>
@@ -3222,24 +3225,28 @@
           <a:p>
             <a:r>
               <a:rPr lang="zh-CN" altLang="en-US" dirty="0" smtClean="0"/>
-              <a:t>又</a:t>
-            </a:r>
+              <a:t>又如，路人甲唱歌与路人乙唱歌</a:t>
+            </a:r>
+            <a:endParaRPr lang="en-US" altLang="zh-CN" dirty="0" smtClean="0"/>
+          </a:p>
+          <a:p>
             <a:r>
               <a:rPr lang="zh-CN" altLang="en-US" dirty="0" smtClean="0"/>
-              <a:t>如，路人甲唱歌与路人乙唱歌</a:t>
-            </a:r>
-            <a:endParaRPr lang="en-US" altLang="zh-CN" dirty="0" smtClean="0"/>
-          </a:p>
-          <a:p>
+              <a:t>简单地说，就是对象对于</a:t>
+            </a:r>
+            <a:r>
+              <a:rPr lang="zh-CN" altLang="en-US" b="1" dirty="0" smtClean="0"/>
+              <a:t>同一消息</a:t>
+            </a:r>
             <a:r>
               <a:rPr lang="zh-CN" altLang="en-US" dirty="0" smtClean="0"/>
-              <a:t>简单地</a:t>
-            </a:r>
-            <a:r>
-              <a:rPr lang="zh-CN" altLang="en-US" dirty="0" smtClean="0"/>
-              <a:t>说，就是对象对于同一消息（方法）的不同响应</a:t>
-            </a:r>
-            <a:endParaRPr lang="zh-CN" altLang="en-US" dirty="0"/>
+              <a:t>（方法）的</a:t>
+            </a:r>
+            <a:r>
+              <a:rPr lang="zh-CN" altLang="en-US" b="1" dirty="0" smtClean="0"/>
+              <a:t>不同响应</a:t>
+            </a:r>
+            <a:endParaRPr lang="zh-CN" altLang="en-US" b="1" dirty="0"/>
           </a:p>
         </p:txBody>
       </p:sp>
@@ -3248,6 +3255,13 @@
   <p:clrMapOvr>
     <a:masterClrMapping/>
   </p:clrMapOvr>
+  <p:timing>
+    <p:tnLst>
+      <p:par>
+        <p:cTn id="1" dur="indefinite" restart="never" nodeType="tmRoot"/>
+      </p:par>
+    </p:tnLst>
+  </p:timing>
 </p:sld>
 </file>
 
@@ -3312,26 +3326,14 @@
             </a:r>
             <a:r>
               <a:rPr lang="zh-CN" altLang="en-US" dirty="0" smtClean="0"/>
-              <a:t>的语言</a:t>
-            </a:r>
+              <a:t>的语言对于多态的实现都是通过动态绑定的技术</a:t>
+            </a:r>
+            <a:endParaRPr lang="en-US" altLang="zh-CN" dirty="0" smtClean="0"/>
+          </a:p>
+          <a:p>
             <a:r>
               <a:rPr lang="zh-CN" altLang="en-US" dirty="0" smtClean="0"/>
-              <a:t>对</a:t>
-            </a:r>
-            <a:r>
-              <a:rPr lang="zh-CN" altLang="en-US" dirty="0" smtClean="0"/>
-              <a:t>于多态的实现都是通过动态绑定的技术</a:t>
-            </a:r>
-            <a:endParaRPr lang="en-US" altLang="zh-CN" dirty="0" smtClean="0"/>
-          </a:p>
-          <a:p>
-            <a:r>
-              <a:rPr lang="zh-CN" altLang="en-US" dirty="0" smtClean="0"/>
-              <a:t>具</a:t>
-            </a:r>
-            <a:r>
-              <a:rPr lang="zh-CN" altLang="en-US" dirty="0" smtClean="0"/>
-              <a:t>体来讲，就是编译器在运行时来确定对象的具体类型，继而调用相应的方法</a:t>
+              <a:t>具体来讲，就是编译器在运行时来确定对象的具体类型，继而调用相应的方法</a:t>
             </a:r>
             <a:endParaRPr lang="zh-CN" altLang="en-US" dirty="0"/>
           </a:p>
@@ -3342,6 +3344,13 @@
   <p:clrMapOvr>
     <a:masterClrMapping/>
   </p:clrMapOvr>
+  <p:timing>
+    <p:tnLst>
+      <p:par>
+        <p:cTn id="1" dur="indefinite" restart="never" nodeType="tmRoot"/>
+      </p:par>
+    </p:tnLst>
+  </p:timing>
 </p:sld>
 </file>
 
@@ -3409,22 +3418,14 @@
           <a:p>
             <a:r>
               <a:rPr lang="zh-CN" altLang="en-US" dirty="0" smtClean="0"/>
-              <a:t>子</a:t>
-            </a:r>
+              <a:t>子类必须重写</a:t>
+            </a:r>
+            <a:endParaRPr lang="en-US" altLang="zh-CN" dirty="0" smtClean="0"/>
+          </a:p>
+          <a:p>
             <a:r>
               <a:rPr lang="zh-CN" altLang="en-US" dirty="0" smtClean="0"/>
-              <a:t>类必须重写</a:t>
-            </a:r>
-            <a:endParaRPr lang="en-US" altLang="zh-CN" dirty="0" smtClean="0"/>
-          </a:p>
-          <a:p>
-            <a:r>
-              <a:rPr lang="zh-CN" altLang="en-US" dirty="0" smtClean="0"/>
-              <a:t>父</a:t>
-            </a:r>
-            <a:r>
-              <a:rPr lang="zh-CN" altLang="en-US" dirty="0" smtClean="0"/>
-              <a:t>类引用子类的对象</a:t>
+              <a:t>父类引用子类的对象</a:t>
             </a:r>
             <a:endParaRPr lang="zh-CN" altLang="en-US" dirty="0"/>
           </a:p>
@@ -3435,6 +3436,13 @@
   <p:clrMapOvr>
     <a:masterClrMapping/>
   </p:clrMapOvr>
+  <p:timing>
+    <p:tnLst>
+      <p:par>
+        <p:cTn id="1" dur="indefinite" restart="never" nodeType="tmRoot"/>
+      </p:par>
+    </p:tnLst>
+  </p:timing>
 </p:sld>
 </file>
 
@@ -3565,6 +3573,13 @@
   <p:clrMapOvr>
     <a:masterClrMapping/>
   </p:clrMapOvr>
+  <p:timing>
+    <p:tnLst>
+      <p:par>
+        <p:cTn id="1" dur="indefinite" restart="never" nodeType="tmRoot"/>
+      </p:par>
+    </p:tnLst>
+  </p:timing>
 </p:sld>
 </file>
 
@@ -3644,6 +3659,13 @@
   <p:clrMapOvr>
     <a:masterClrMapping/>
   </p:clrMapOvr>
+  <p:timing>
+    <p:tnLst>
+      <p:par>
+        <p:cTn id="1" dur="indefinite" restart="never" nodeType="tmRoot"/>
+      </p:par>
+    </p:tnLst>
+  </p:timing>
 </p:sld>
 </file>
 
@@ -3750,11 +3772,7 @@
           <a:p>
             <a:r>
               <a:rPr lang="zh-CN" altLang="en-US" dirty="0" smtClean="0"/>
-              <a:t>子</a:t>
-            </a:r>
-            <a:r>
-              <a:rPr lang="zh-CN" altLang="en-US" dirty="0" smtClean="0"/>
-              <a:t>类：</a:t>
+              <a:t>子类：</a:t>
             </a:r>
             <a:r>
               <a:rPr lang="en-US" altLang="zh-CN" dirty="0" smtClean="0"/>
@@ -3837,11 +3855,7 @@
           <a:p>
             <a:r>
               <a:rPr lang="zh-CN" altLang="en-US" dirty="0" smtClean="0"/>
-              <a:t>测试</a:t>
-            </a:r>
-            <a:r>
-              <a:rPr lang="zh-CN" altLang="en-US" dirty="0" smtClean="0"/>
-              <a:t>类</a:t>
+              <a:t>测试类</a:t>
             </a:r>
             <a:r>
               <a:rPr lang="en-US" altLang="zh-CN" dirty="0" smtClean="0"/>
